--- a/images/project_owner_card.pptx
+++ b/images/project_owner_card.pptx
@@ -212,7 +212,7 @@
           <a:p>
             <a:fld id="{0190C582-2B8C-4FC3-A2D3-85B7A23DB8C2}" type="datetimeFigureOut">
               <a:rPr lang="en-SG" smtClean="0"/>
-              <a:t>27/8/2021</a:t>
+              <a:t>29/8/2021</a:t>
             </a:fld>
             <a:endParaRPr lang="en-SG"/>
           </a:p>
@@ -2016,42 +2016,6 @@
       </p:sp>
       <p:pic>
         <p:nvPicPr>
-          <p:cNvPr id="3" name="Picture Placeholder 2" descr="Diagram&#10;&#10;Description automatically generated">
-            <a:extLst>
-              <a:ext uri="{FF2B5EF4-FFF2-40B4-BE49-F238E27FC236}">
-                <a16:creationId xmlns:a16="http://schemas.microsoft.com/office/drawing/2014/main" id="{47D9CB1D-4C5A-42B2-B861-0A7560FB1758}"/>
-              </a:ext>
-            </a:extLst>
-          </p:cNvPr>
-          <p:cNvPicPr>
-            <a:picLocks noGrp="1" noChangeAspect="1"/>
-          </p:cNvPicPr>
-          <p:nvPr>
-            <p:ph type="pic" sz="quarter" idx="12"/>
-          </p:nvPr>
-        </p:nvPicPr>
-        <p:blipFill rotWithShape="1">
-          <a:blip r:embed="rId3" cstate="print">
-            <a:extLst>
-              <a:ext uri="{28A0092B-C50C-407E-A947-70E740481C1C}">
-                <a14:useLocalDpi xmlns:a14="http://schemas.microsoft.com/office/drawing/2010/main" val="0"/>
-              </a:ext>
-            </a:extLst>
-          </a:blip>
-          <a:srcRect l="1068" r="1068"/>
-          <a:stretch>
-            <a:fillRect/>
-          </a:stretch>
-        </p:blipFill>
-        <p:spPr>
-          <a:xfrm>
-            <a:off x="5207002" y="1335091"/>
-            <a:ext cx="4330698" cy="2489034"/>
-          </a:xfrm>
-        </p:spPr>
-      </p:pic>
-      <p:pic>
-        <p:nvPicPr>
           <p:cNvPr id="5" name="Picture 4" descr="A picture containing person, sky, outdoor, posing&#10;&#10;Description automatically generated">
             <a:extLst>
               <a:ext uri="{FF2B5EF4-FFF2-40B4-BE49-F238E27FC236}">
@@ -2065,7 +2029,7 @@
           <p:nvPr/>
         </p:nvPicPr>
         <p:blipFill>
-          <a:blip r:embed="rId4" cstate="print">
+          <a:blip r:embed="rId3" cstate="print">
             <a:extLst>
               <a:ext uri="{28A0092B-C50C-407E-A947-70E740481C1C}">
                 <a14:useLocalDpi xmlns:a14="http://schemas.microsoft.com/office/drawing/2010/main" val="0"/>
@@ -2091,6 +2055,37 @@
           </a:ln>
           <a:effectLst/>
         </p:spPr>
+      </p:pic>
+      <p:pic>
+        <p:nvPicPr>
+          <p:cNvPr id="10" name="Picture Placeholder 9" descr="Diagram&#10;&#10;Description automatically generated">
+            <a:extLst>
+              <a:ext uri="{FF2B5EF4-FFF2-40B4-BE49-F238E27FC236}">
+                <a16:creationId xmlns:a16="http://schemas.microsoft.com/office/drawing/2014/main" id="{0DE9121B-3A3C-42BB-9D0A-EA9FD380B1C3}"/>
+              </a:ext>
+            </a:extLst>
+          </p:cNvPr>
+          <p:cNvPicPr>
+            <a:picLocks noGrp="1" noChangeAspect="1"/>
+          </p:cNvPicPr>
+          <p:nvPr>
+            <p:ph type="pic" sz="quarter" idx="12"/>
+          </p:nvPr>
+        </p:nvPicPr>
+        <p:blipFill rotWithShape="1">
+          <a:blip r:embed="rId4" cstate="print">
+            <a:extLst>
+              <a:ext uri="{28A0092B-C50C-407E-A947-70E740481C1C}">
+                <a14:useLocalDpi xmlns:a14="http://schemas.microsoft.com/office/drawing/2010/main" val="0"/>
+              </a:ext>
+            </a:extLst>
+          </a:blip>
+          <a:srcRect l="1068" r="1068"/>
+          <a:stretch>
+            <a:fillRect/>
+          </a:stretch>
+        </p:blipFill>
+        <p:spPr/>
       </p:pic>
     </p:spTree>
     <p:extLst>
